--- a/bookShop01/src/main/webapp/WEB-INF/doc/상품 쇼핑몰_김윤영.pptx
+++ b/bookShop01/src/main/webapp/WEB-INF/doc/상품 쇼핑몰_김윤영.pptx
@@ -1,6 +1,6 @@
 
 <file path=ppt/presentation.xml><?xml version="1.0" encoding="utf-8"?>
-<p:presentation xmlns:a="http://schemas.openxmlformats.org/drawingml/2006/main" xmlns:r="http://schemas.openxmlformats.org/officeDocument/2006/relationships" xmlns:p="http://schemas.openxmlformats.org/presentationml/2006/main" serverZoom="49347" saveSubsetFonts="1">
+<p:presentation xmlns:a="http://schemas.openxmlformats.org/drawingml/2006/main" xmlns:r="http://schemas.openxmlformats.org/officeDocument/2006/relationships" xmlns:p="http://schemas.openxmlformats.org/presentationml/2006/main" saveSubsetFonts="1">
   <p:sldMasterIdLst>
     <p:sldMasterId id="2147483648" r:id="rId1"/>
   </p:sldMasterIdLst>
@@ -3010,7 +3010,11 @@
           <a:p>
             <a:r>
               <a:rPr lang="ko-KR" altLang="en-US" dirty="0" smtClean="0"/>
-              <a:t>도서 쇼핑몰 </a:t>
+              <a:t>도서 </a:t>
+            </a:r>
+            <a:r>
+              <a:rPr lang="ko-KR" altLang="en-US" dirty="0" smtClean="0"/>
+              <a:t>쇼핑몰 </a:t>
             </a:r>
             <a:endParaRPr lang="ko-KR" altLang="en-US" dirty="0"/>
           </a:p>
@@ -9113,7 +9117,11 @@
           <a:p>
             <a:r>
               <a:rPr lang="ko-KR" altLang="en-US" dirty="0" smtClean="0"/>
-              <a:t>상품 문의</a:t>
+              <a:t>상품 </a:t>
+            </a:r>
+            <a:r>
+              <a:rPr lang="ko-KR" altLang="en-US" dirty="0" smtClean="0"/>
+              <a:t>문의</a:t>
             </a:r>
             <a:endParaRPr lang="en-US" altLang="ko-KR" dirty="0"/>
           </a:p>
@@ -11558,6 +11566,7 @@
               <a:rPr lang="en-US" altLang="ko-KR" dirty="0" smtClean="0"/>
               <a:t>- eBook</a:t>
             </a:r>
+            <a:endParaRPr lang="en-US" altLang="ko-KR" dirty="0" smtClean="0"/>
           </a:p>
           <a:p>
             <a:endParaRPr lang="en-US" altLang="ko-KR" dirty="0" smtClean="0"/>
